--- a/proj_AI/3nd week/1_이경원_모델변경사유.pptx
+++ b/proj_AI/3nd week/1_이경원_모델변경사유.pptx
@@ -5008,45 +5008,23 @@
               </a:lnSpc>
             </a:pPr>
             <a:r>
-              <a:rPr lang="en-US" altLang="ko-KR" sz="1600" dirty="0">
-                <a:latin typeface="KoPubWorld돋움체 Medium" panose="00000600000000000000" pitchFamily="2" charset="-127"/>
-                <a:ea typeface="KoPubWorld돋움체 Medium" panose="00000600000000000000" pitchFamily="2" charset="-127"/>
-                <a:cs typeface="KoPubWorld돋움체 Medium" panose="00000600000000000000" pitchFamily="2" charset="-127"/>
+              <a:rPr lang="en-US" altLang="ko-KR" sz="1600" b="1" dirty="0">
+                <a:solidFill>
+                  <a:schemeClr val="bg2">
+                    <a:lumMod val="25000"/>
+                  </a:schemeClr>
+                </a:solidFill>
+                <a:latin typeface="KoPubWorld돋움체 Bold" panose="00000800000000000000" pitchFamily="2" charset="-127"/>
+                <a:ea typeface="KoPubWorld돋움체 Bold" panose="00000800000000000000" pitchFamily="2" charset="-127"/>
+                <a:cs typeface="KoPubWorld돋움체 Bold" panose="00000800000000000000" pitchFamily="2" charset="-127"/>
               </a:rPr>
-              <a:t>Pose</a:t>
-            </a:r>
-            <a:r>
-              <a:rPr lang="ko-KR" altLang="en-US" sz="1600" dirty="0">
-                <a:latin typeface="KoPubWorld돋움체 Medium" panose="00000600000000000000" pitchFamily="2" charset="-127"/>
-                <a:ea typeface="KoPubWorld돋움체 Medium" panose="00000600000000000000" pitchFamily="2" charset="-127"/>
-                <a:cs typeface="KoPubWorld돋움체 Medium" panose="00000600000000000000" pitchFamily="2" charset="-127"/>
-              </a:rPr>
-              <a:t> </a:t>
-            </a:r>
-            <a:r>
-              <a:rPr lang="en-US" altLang="ko-KR" sz="1600" dirty="0">
-                <a:latin typeface="KoPubWorld돋움체 Medium" panose="00000600000000000000" pitchFamily="2" charset="-127"/>
-                <a:ea typeface="KoPubWorld돋움체 Medium" panose="00000600000000000000" pitchFamily="2" charset="-127"/>
-                <a:cs typeface="KoPubWorld돋움체 Medium" panose="00000600000000000000" pitchFamily="2" charset="-127"/>
-              </a:rPr>
-              <a:t>Estimation</a:t>
-            </a:r>
-            <a:r>
-              <a:rPr lang="ko-KR" altLang="en-US" sz="1600" dirty="0">
-                <a:latin typeface="KoPubWorld돋움체 Medium" panose="00000600000000000000" pitchFamily="2" charset="-127"/>
-                <a:ea typeface="KoPubWorld돋움체 Medium" panose="00000600000000000000" pitchFamily="2" charset="-127"/>
-                <a:cs typeface="KoPubWorld돋움체 Medium" panose="00000600000000000000" pitchFamily="2" charset="-127"/>
-              </a:rPr>
-              <a:t> </a:t>
-            </a:r>
-            <a:r>
-              <a:rPr lang="en-US" altLang="ko-KR" sz="1600" dirty="0">
-                <a:latin typeface="KoPubWorld돋움체 Medium" panose="00000600000000000000" pitchFamily="2" charset="-127"/>
-                <a:ea typeface="KoPubWorld돋움체 Medium" panose="00000600000000000000" pitchFamily="2" charset="-127"/>
-                <a:cs typeface="KoPubWorld돋움체 Medium" panose="00000600000000000000" pitchFamily="2" charset="-127"/>
-              </a:rPr>
-              <a:t>Model</a:t>
-            </a:r>
+              <a:t>Body-tracking</a:t>
+            </a:r>
+            <a:endParaRPr lang="en-US" altLang="ko-KR" sz="1600" dirty="0">
+              <a:latin typeface="KoPubWorld돋움체 Medium" panose="00000600000000000000" pitchFamily="2" charset="-127"/>
+              <a:ea typeface="KoPubWorld돋움체 Medium" panose="00000600000000000000" pitchFamily="2" charset="-127"/>
+              <a:cs typeface="KoPubWorld돋움체 Medium" panose="00000600000000000000" pitchFamily="2" charset="-127"/>
+            </a:endParaRPr>
           </a:p>
         </p:txBody>
       </p:sp>
